--- a/Clases/Clase 9/clase 9.pptx
+++ b/Clases/Clase 9/clase 9.pptx
@@ -254,7 +254,7 @@
           <a:p>
             <a:fld id="{126F170E-E814-4B3B-A85B-D0CEE3E81FCB}" type="datetimeFigureOut">
               <a:rPr lang="es-MX" smtClean="0"/>
-              <a:t>21/01/2020</a:t>
+              <a:t>23/01/2020</a:t>
             </a:fld>
             <a:endParaRPr lang="es-MX"/>
           </a:p>
@@ -419,7 +419,7 @@
           <a:p>
             <a:fld id="{126F170E-E814-4B3B-A85B-D0CEE3E81FCB}" type="datetimeFigureOut">
               <a:rPr lang="es-MX" smtClean="0"/>
-              <a:t>21/01/2020</a:t>
+              <a:t>23/01/2020</a:t>
             </a:fld>
             <a:endParaRPr lang="es-MX"/>
           </a:p>
@@ -594,7 +594,7 @@
           <a:p>
             <a:fld id="{126F170E-E814-4B3B-A85B-D0CEE3E81FCB}" type="datetimeFigureOut">
               <a:rPr lang="es-MX" smtClean="0"/>
-              <a:t>21/01/2020</a:t>
+              <a:t>23/01/2020</a:t>
             </a:fld>
             <a:endParaRPr lang="es-MX"/>
           </a:p>
@@ -759,7 +759,7 @@
           <a:p>
             <a:fld id="{126F170E-E814-4B3B-A85B-D0CEE3E81FCB}" type="datetimeFigureOut">
               <a:rPr lang="es-MX" smtClean="0"/>
-              <a:t>21/01/2020</a:t>
+              <a:t>23/01/2020</a:t>
             </a:fld>
             <a:endParaRPr lang="es-MX"/>
           </a:p>
@@ -1000,7 +1000,7 @@
           <a:p>
             <a:fld id="{126F170E-E814-4B3B-A85B-D0CEE3E81FCB}" type="datetimeFigureOut">
               <a:rPr lang="es-MX" smtClean="0"/>
-              <a:t>21/01/2020</a:t>
+              <a:t>23/01/2020</a:t>
             </a:fld>
             <a:endParaRPr lang="es-MX"/>
           </a:p>
@@ -1227,7 +1227,7 @@
           <a:p>
             <a:fld id="{126F170E-E814-4B3B-A85B-D0CEE3E81FCB}" type="datetimeFigureOut">
               <a:rPr lang="es-MX" smtClean="0"/>
-              <a:t>21/01/2020</a:t>
+              <a:t>23/01/2020</a:t>
             </a:fld>
             <a:endParaRPr lang="es-MX"/>
           </a:p>
@@ -1589,7 +1589,7 @@
           <a:p>
             <a:fld id="{126F170E-E814-4B3B-A85B-D0CEE3E81FCB}" type="datetimeFigureOut">
               <a:rPr lang="es-MX" smtClean="0"/>
-              <a:t>21/01/2020</a:t>
+              <a:t>23/01/2020</a:t>
             </a:fld>
             <a:endParaRPr lang="es-MX"/>
           </a:p>
@@ -1702,7 +1702,7 @@
           <a:p>
             <a:fld id="{126F170E-E814-4B3B-A85B-D0CEE3E81FCB}" type="datetimeFigureOut">
               <a:rPr lang="es-MX" smtClean="0"/>
-              <a:t>21/01/2020</a:t>
+              <a:t>23/01/2020</a:t>
             </a:fld>
             <a:endParaRPr lang="es-MX"/>
           </a:p>
@@ -1792,7 +1792,7 @@
           <a:p>
             <a:fld id="{126F170E-E814-4B3B-A85B-D0CEE3E81FCB}" type="datetimeFigureOut">
               <a:rPr lang="es-MX" smtClean="0"/>
-              <a:t>21/01/2020</a:t>
+              <a:t>23/01/2020</a:t>
             </a:fld>
             <a:endParaRPr lang="es-MX"/>
           </a:p>
@@ -2064,7 +2064,7 @@
           <a:p>
             <a:fld id="{126F170E-E814-4B3B-A85B-D0CEE3E81FCB}" type="datetimeFigureOut">
               <a:rPr lang="es-MX" smtClean="0"/>
-              <a:t>21/01/2020</a:t>
+              <a:t>23/01/2020</a:t>
             </a:fld>
             <a:endParaRPr lang="es-MX"/>
           </a:p>
@@ -2312,7 +2312,7 @@
           <a:p>
             <a:fld id="{126F170E-E814-4B3B-A85B-D0CEE3E81FCB}" type="datetimeFigureOut">
               <a:rPr lang="es-MX" smtClean="0"/>
-              <a:t>21/01/2020</a:t>
+              <a:t>23/01/2020</a:t>
             </a:fld>
             <a:endParaRPr lang="es-MX"/>
           </a:p>
@@ -2520,7 +2520,7 @@
           <a:p>
             <a:fld id="{126F170E-E814-4B3B-A85B-D0CEE3E81FCB}" type="datetimeFigureOut">
               <a:rPr lang="es-MX" smtClean="0"/>
-              <a:t>21/01/2020</a:t>
+              <a:t>23/01/2020</a:t>
             </a:fld>
             <a:endParaRPr lang="es-MX"/>
           </a:p>
@@ -3526,7 +3526,7 @@
         <p:spPr>
           <a:xfrm>
             <a:off x="1138452" y="2008596"/>
-            <a:ext cx="9901881" cy="553998"/>
+            <a:ext cx="9901881" cy="2400657"/>
           </a:xfrm>
           <a:prstGeom prst="rect">
             <a:avLst/>
@@ -3546,9 +3546,55 @@
                   <a:srgbClr val="E0DDD6"/>
                 </a:solidFill>
               </a:rPr>
-              <a:t>Comando Grep</a:t>
-            </a:r>
-            <a:endParaRPr lang="es-MX" sz="3000" dirty="0">
+              <a:t>Comando </a:t>
+            </a:r>
+            <a:r>
+              <a:rPr lang="es-ES" sz="3000" dirty="0" smtClean="0">
+                <a:solidFill>
+                  <a:srgbClr val="E0DDD6"/>
+                </a:solidFill>
+              </a:rPr>
+              <a:t>Grep</a:t>
+            </a:r>
+          </a:p>
+          <a:p>
+            <a:pPr algn="ctr"/>
+            <a:endParaRPr lang="es-ES" sz="3000" dirty="0">
+              <a:solidFill>
+                <a:srgbClr val="E0DDD6"/>
+              </a:solidFill>
+            </a:endParaRPr>
+          </a:p>
+          <a:p>
+            <a:pPr algn="ctr"/>
+            <a:r>
+              <a:rPr lang="es-ES" sz="3000" dirty="0" err="1" smtClean="0">
+                <a:solidFill>
+                  <a:srgbClr val="E0DDD6"/>
+                </a:solidFill>
+              </a:rPr>
+              <a:t>Busqueda</a:t>
+            </a:r>
+            <a:r>
+              <a:rPr lang="es-ES" sz="3000" dirty="0" smtClean="0">
+                <a:solidFill>
+                  <a:srgbClr val="E0DDD6"/>
+                </a:solidFill>
+              </a:rPr>
+              <a:t> textual en una salida de texto</a:t>
+            </a:r>
+          </a:p>
+          <a:p>
+            <a:pPr algn="ctr"/>
+            <a:endParaRPr lang="es-ES" sz="3000" dirty="0">
+              <a:solidFill>
+                <a:srgbClr val="E0DDD6"/>
+              </a:solidFill>
+            </a:endParaRPr>
+          </a:p>
+          <a:p>
+            <a:pPr algn="ctr"/>
+            <a:endParaRPr lang="es-ES" sz="3000" dirty="0" smtClean="0">
               <a:solidFill>
                 <a:srgbClr val="E0DDD6"/>
               </a:solidFill>
@@ -3862,7 +3908,7 @@
         <p:spPr>
           <a:xfrm>
             <a:off x="1138452" y="2008596"/>
-            <a:ext cx="9901881" cy="553998"/>
+            <a:ext cx="9901881" cy="3323987"/>
           </a:xfrm>
           <a:prstGeom prst="rect">
             <a:avLst/>
@@ -3884,11 +3930,49 @@
               </a:rPr>
               <a:t>PIPES</a:t>
             </a:r>
-            <a:endParaRPr lang="es-MX" sz="3000" dirty="0">
+          </a:p>
+          <a:p>
+            <a:pPr algn="ctr"/>
+            <a:endParaRPr lang="es-ES" sz="3000" dirty="0">
               <a:solidFill>
                 <a:srgbClr val="E0DDD6"/>
               </a:solidFill>
             </a:endParaRPr>
+          </a:p>
+          <a:p>
+            <a:pPr algn="ctr"/>
+            <a:r>
+              <a:rPr lang="es-ES" sz="3000" dirty="0" smtClean="0">
+                <a:solidFill>
+                  <a:srgbClr val="E0DDD6"/>
+                </a:solidFill>
+              </a:rPr>
+              <a:t>En español tuberías</a:t>
+            </a:r>
+            <a:endParaRPr lang="es-ES" sz="3000" dirty="0">
+              <a:solidFill>
+                <a:srgbClr val="E0DDD6"/>
+              </a:solidFill>
+            </a:endParaRPr>
+          </a:p>
+          <a:p>
+            <a:pPr algn="ctr"/>
+            <a:endParaRPr lang="es-ES" sz="3000" dirty="0" smtClean="0">
+              <a:solidFill>
+                <a:srgbClr val="E0DDD6"/>
+              </a:solidFill>
+            </a:endParaRPr>
+          </a:p>
+          <a:p>
+            <a:pPr algn="ctr"/>
+            <a:r>
+              <a:rPr lang="es-ES" sz="3000" dirty="0" smtClean="0">
+                <a:solidFill>
+                  <a:srgbClr val="E0DDD6"/>
+                </a:solidFill>
+              </a:rPr>
+              <a:t>Sirven para enlazar las salidas de los programas, y poder crear otras salidas, o procesar la información y acercarla al resultado que necesitamos</a:t>
+            </a:r>
           </a:p>
         </p:txBody>
       </p:sp>
@@ -4198,7 +4282,7 @@
         <p:spPr>
           <a:xfrm>
             <a:off x="1921047" y="1880899"/>
-            <a:ext cx="8336692" cy="1754326"/>
+            <a:ext cx="8336692" cy="1292662"/>
           </a:xfrm>
           <a:prstGeom prst="rect">
             <a:avLst/>
@@ -4236,31 +4320,15 @@
                   <a:srgbClr val="E0DDD6"/>
                 </a:solidFill>
               </a:rPr>
-              <a:t>de tarea se les deja buscar </a:t>
-            </a:r>
-            <a:r>
-              <a:rPr lang="es-ES" sz="3000">
-                <a:solidFill>
-                  <a:srgbClr val="E0DDD6"/>
-                </a:solidFill>
-              </a:rPr>
-              <a:t>los </a:t>
-            </a:r>
-            <a:r>
-              <a:rPr lang="es-ES" sz="3000" smtClean="0">
-                <a:solidFill>
-                  <a:srgbClr val="E0DDD6"/>
-                </a:solidFill>
-              </a:rPr>
-              <a:t>códigos </a:t>
-            </a:r>
-            <a:r>
-              <a:rPr lang="es-ES" sz="3000" dirty="0">
-                <a:solidFill>
-                  <a:srgbClr val="E0DDD6"/>
-                </a:solidFill>
-              </a:rPr>
-              <a:t>mas utilizados en </a:t>
+              <a:t>de tarea </a:t>
+            </a:r>
+            <a:r>
+              <a:rPr lang="es-ES" sz="3000" dirty="0" smtClean="0">
+                <a:solidFill>
+                  <a:srgbClr val="E0DDD6"/>
+                </a:solidFill>
+              </a:rPr>
+              <a:t>buscar como crear un script de </a:t>
             </a:r>
             <a:r>
               <a:rPr lang="es-ES" sz="3000" dirty="0" err="1" smtClean="0">
@@ -4278,6 +4346,11 @@
               </a:rPr>
               <a:t>//</a:t>
             </a:r>
+            <a:endParaRPr lang="es-ES" sz="3000" dirty="0" smtClean="0">
+              <a:solidFill>
+                <a:srgbClr val="E0DDD6"/>
+              </a:solidFill>
+            </a:endParaRPr>
           </a:p>
         </p:txBody>
       </p:sp>
@@ -4932,15 +5005,7 @@
                   <a:srgbClr val="E0DDD6"/>
                 </a:solidFill>
               </a:rPr>
-              <a:t>¿Y si todo lo pudises hacer mas </a:t>
-            </a:r>
-            <a:r>
-              <a:rPr lang="es-ES" sz="3000" dirty="0" smtClean="0">
-                <a:solidFill>
-                  <a:srgbClr val="E0DDD6"/>
-                </a:solidFill>
-              </a:rPr>
-              <a:t>fácil?</a:t>
+              <a:t>¿Y si todo lo pudises hacer mas fácil?</a:t>
             </a:r>
             <a:endParaRPr lang="es-MX" sz="3000" dirty="0">
               <a:solidFill>
@@ -7625,6 +7690,91 @@
           </a:p>
         </p:txBody>
       </p:sp>
+      <p:sp>
+        <p:nvSpPr>
+          <p:cNvPr id="11" name="CuadroTexto 10"/>
+          <p:cNvSpPr txBox="1"/>
+          <p:nvPr/>
+        </p:nvSpPr>
+        <p:spPr>
+          <a:xfrm>
+            <a:off x="1138451" y="2938518"/>
+            <a:ext cx="9901881" cy="1477328"/>
+          </a:xfrm>
+          <a:prstGeom prst="rect">
+            <a:avLst/>
+          </a:prstGeom>
+          <a:noFill/>
+        </p:spPr>
+        <p:txBody>
+          <a:bodyPr wrap="square" rtlCol="0">
+            <a:spAutoFit/>
+          </a:bodyPr>
+          <a:lstStyle/>
+          <a:p>
+            <a:pPr algn="ctr"/>
+            <a:r>
+              <a:rPr lang="es-ES" sz="3000" dirty="0" smtClean="0">
+                <a:solidFill>
+                  <a:srgbClr val="E0DDD6"/>
+                </a:solidFill>
+              </a:rPr>
+              <a:t>Pensemos en esto como un </a:t>
+            </a:r>
+            <a:r>
+              <a:rPr lang="es-ES" sz="3000" dirty="0" err="1" smtClean="0">
+                <a:solidFill>
+                  <a:srgbClr val="E0DDD6"/>
+                </a:solidFill>
+              </a:rPr>
+              <a:t>printf</a:t>
+            </a:r>
+            <a:r>
+              <a:rPr lang="es-ES" sz="3000" dirty="0" smtClean="0">
+                <a:solidFill>
+                  <a:srgbClr val="E0DDD6"/>
+                </a:solidFill>
+              </a:rPr>
+              <a:t> o un </a:t>
+            </a:r>
+            <a:r>
+              <a:rPr lang="es-ES" sz="3000" dirty="0" err="1" smtClean="0">
+                <a:solidFill>
+                  <a:srgbClr val="E0DDD6"/>
+                </a:solidFill>
+              </a:rPr>
+              <a:t>cin</a:t>
+            </a:r>
+            <a:r>
+              <a:rPr lang="es-ES" sz="3000" dirty="0" smtClean="0">
+                <a:solidFill>
+                  <a:srgbClr val="E0DDD6"/>
+                </a:solidFill>
+              </a:rPr>
+              <a:t>&gt;&gt;</a:t>
+            </a:r>
+          </a:p>
+          <a:p>
+            <a:pPr algn="ctr"/>
+            <a:r>
+              <a:rPr lang="es-ES" sz="3000" dirty="0" smtClean="0">
+                <a:solidFill>
+                  <a:srgbClr val="E0DDD6"/>
+                </a:solidFill>
+              </a:rPr>
+              <a:t>Nos servirá para mostrar mensajes en los scripts</a:t>
+            </a:r>
+          </a:p>
+          <a:p>
+            <a:pPr algn="ctr"/>
+            <a:endParaRPr lang="es-MX" sz="3000" dirty="0">
+              <a:solidFill>
+                <a:srgbClr val="E0DDD6"/>
+              </a:solidFill>
+            </a:endParaRPr>
+          </a:p>
+        </p:txBody>
+      </p:sp>
     </p:spTree>
     <p:extLst>
       <p:ext uri="{BB962C8B-B14F-4D97-AF65-F5344CB8AC3E}">
@@ -7931,7 +8081,7 @@
         <p:spPr>
           <a:xfrm>
             <a:off x="1138452" y="2008596"/>
-            <a:ext cx="9901881" cy="553998"/>
+            <a:ext cx="9901881" cy="4247317"/>
           </a:xfrm>
           <a:prstGeom prst="rect">
             <a:avLst/>
@@ -7951,7 +8101,131 @@
                   <a:srgbClr val="E0DDD6"/>
                 </a:solidFill>
               </a:rPr>
-              <a:t>Asignaciones &gt;, &gt;&gt; y 2&gt;</a:t>
+              <a:t>Asignaciones &gt;, &gt;&gt; y 2</a:t>
+            </a:r>
+            <a:r>
+              <a:rPr lang="es-ES" sz="3000" dirty="0" smtClean="0">
+                <a:solidFill>
+                  <a:srgbClr val="E0DDD6"/>
+                </a:solidFill>
+              </a:rPr>
+              <a:t>&gt;</a:t>
+            </a:r>
+          </a:p>
+          <a:p>
+            <a:pPr algn="ctr"/>
+            <a:endParaRPr lang="es-ES" sz="3000" dirty="0">
+              <a:solidFill>
+                <a:srgbClr val="E0DDD6"/>
+              </a:solidFill>
+            </a:endParaRPr>
+          </a:p>
+          <a:p>
+            <a:pPr algn="ctr"/>
+            <a:r>
+              <a:rPr lang="es-ES" sz="3000" dirty="0" smtClean="0">
+                <a:solidFill>
+                  <a:srgbClr val="E0DDD6"/>
+                </a:solidFill>
+              </a:rPr>
+              <a:t>Con esto cambiamos la entrada de flujo de datos es muy parecido al CIN</a:t>
+            </a:r>
+          </a:p>
+          <a:p>
+            <a:pPr algn="ctr"/>
+            <a:endParaRPr lang="es-ES" sz="3000" dirty="0">
+              <a:solidFill>
+                <a:srgbClr val="E0DDD6"/>
+              </a:solidFill>
+            </a:endParaRPr>
+          </a:p>
+          <a:p>
+            <a:pPr algn="ctr"/>
+            <a:r>
+              <a:rPr lang="es-ES" sz="3000" dirty="0" smtClean="0">
+                <a:solidFill>
+                  <a:srgbClr val="E0DDD6"/>
+                </a:solidFill>
+              </a:rPr>
+              <a:t>Echo &gt; archivo.txt nos crea el archivo de la salida </a:t>
+            </a:r>
+          </a:p>
+          <a:p>
+            <a:pPr algn="ctr"/>
+            <a:r>
+              <a:rPr lang="es-ES" sz="3000" dirty="0" smtClean="0">
+                <a:solidFill>
+                  <a:srgbClr val="E0DDD6"/>
+                </a:solidFill>
+              </a:rPr>
+              <a:t>Echo </a:t>
+            </a:r>
+            <a:r>
+              <a:rPr lang="es-ES" sz="3000" dirty="0" err="1" smtClean="0">
+                <a:solidFill>
+                  <a:srgbClr val="E0DDD6"/>
+                </a:solidFill>
+              </a:rPr>
+              <a:t>holamundo</a:t>
+            </a:r>
+            <a:r>
+              <a:rPr lang="es-ES" sz="3000" dirty="0" smtClean="0">
+                <a:solidFill>
+                  <a:srgbClr val="E0DDD6"/>
+                </a:solidFill>
+              </a:rPr>
+              <a:t> &gt;&gt; achivo.txt anexa al fin el archivo</a:t>
+            </a:r>
+          </a:p>
+          <a:p>
+            <a:pPr algn="ctr"/>
+            <a:r>
+              <a:rPr lang="es-ES" sz="3000" dirty="0" smtClean="0">
+                <a:solidFill>
+                  <a:srgbClr val="E0DDD6"/>
+                </a:solidFill>
+              </a:rPr>
+              <a:t>Echo </a:t>
+            </a:r>
+            <a:r>
+              <a:rPr lang="es-ES" sz="3000" dirty="0" err="1" smtClean="0">
+                <a:solidFill>
+                  <a:srgbClr val="E0DDD6"/>
+                </a:solidFill>
+              </a:rPr>
+              <a:t>holamundo</a:t>
+            </a:r>
+            <a:r>
+              <a:rPr lang="es-ES" sz="3000" dirty="0" smtClean="0">
+                <a:solidFill>
+                  <a:srgbClr val="E0DDD6"/>
+                </a:solidFill>
+              </a:rPr>
+              <a:t> 2&gt; imprime los errores en el archivo si existen, </a:t>
+            </a:r>
+            <a:r>
+              <a:rPr lang="es-ES" sz="3000" dirty="0" err="1" smtClean="0">
+                <a:solidFill>
+                  <a:srgbClr val="E0DDD6"/>
+                </a:solidFill>
+              </a:rPr>
+              <a:t>asi</a:t>
+            </a:r>
+            <a:r>
+              <a:rPr lang="es-ES" sz="3000" dirty="0" smtClean="0">
+                <a:solidFill>
+                  <a:srgbClr val="E0DDD6"/>
+                </a:solidFill>
+              </a:rPr>
+              <a:t> se hacen algunos </a:t>
+            </a:r>
+            <a:r>
+              <a:rPr lang="es-ES" sz="3000" dirty="0" err="1" smtClean="0">
+                <a:solidFill>
+                  <a:srgbClr val="E0DDD6"/>
+                </a:solidFill>
+              </a:rPr>
+              <a:t>logs</a:t>
             </a:r>
             <a:endParaRPr lang="es-MX" sz="3000" dirty="0">
               <a:solidFill>
